--- a/Itération 2.pptx
+++ b/Itération 2.pptx
@@ -109,6 +109,11 @@
       </a:defRPr>
     </a:lvl9pPr>
   </p:defaultTextStyle>
+  <p:extLst>
+    <p:ext uri="{EFAFB233-063F-42B5-8137-9DF3F51BA10A}">
+      <p15:sldGuideLst xmlns:p15="http://schemas.microsoft.com/office/powerpoint/2012/main"/>
+    </p:ext>
+  </p:extLst>
 </p:presentation>
 </file>
 
@@ -4022,6 +4027,9 @@
   <p:clrMapOvr>
     <a:masterClrMapping/>
   </p:clrMapOvr>
+  <p:transition spd="slow">
+    <p:push dir="u"/>
+  </p:transition>
 </p:sld>
 </file>
 
@@ -4357,6 +4365,18 @@
   <p:clrMapOvr>
     <a:masterClrMapping/>
   </p:clrMapOvr>
+  <mc:AlternateContent xmlns:mc="http://schemas.openxmlformats.org/markup-compatibility/2006">
+    <mc:Choice xmlns:p159="http://schemas.microsoft.com/office/powerpoint/2015/09/main" Requires="p159">
+      <p:transition xmlns:p14="http://schemas.microsoft.com/office/powerpoint/2010/main" spd="slow" p14:dur="2000">
+        <p159:morph option="byChar"/>
+      </p:transition>
+    </mc:Choice>
+    <mc:Fallback>
+      <p:transition spd="slow">
+        <p:fade/>
+      </p:transition>
+    </mc:Fallback>
+  </mc:AlternateContent>
   <p:timing>
     <p:tnLst>
       <p:par>
@@ -4639,7 +4659,7 @@
           <a:bodyPr/>
           <a:lstStyle/>
           <a:p>
-            <a:endParaRPr lang="fr-FR"/>
+            <a:endParaRPr lang="fr-FR" dirty="0"/>
           </a:p>
         </p:txBody>
       </p:sp>
@@ -5303,18 +5323,18 @@
 </file>
 
 <file path=customXml/item2.xml><?xml version="1.0" encoding="utf-8"?>
+<p:properties xmlns:p="http://schemas.microsoft.com/office/2006/metadata/properties" xmlns:xsi="http://www.w3.org/2001/XMLSchema-instance" xmlns:pc="http://schemas.microsoft.com/office/infopath/2007/PartnerControls">
+  <documentManagement/>
+</p:properties>
+</file>
+
+<file path=customXml/item3.xml><?xml version="1.0" encoding="utf-8"?>
 <?mso-contentType ?>
 <FormTemplates xmlns="http://schemas.microsoft.com/sharepoint/v3/contenttype/forms">
   <Display>DocumentLibraryForm</Display>
   <Edit>DocumentLibraryForm</Edit>
   <New>DocumentLibraryForm</New>
 </FormTemplates>
-</file>
-
-<file path=customXml/item3.xml><?xml version="1.0" encoding="utf-8"?>
-<p:properties xmlns:p="http://schemas.microsoft.com/office/2006/metadata/properties" xmlns:xsi="http://www.w3.org/2001/XMLSchema-instance" xmlns:pc="http://schemas.microsoft.com/office/infopath/2007/PartnerControls">
-  <documentManagement/>
-</p:properties>
 </file>
 
 <file path=customXml/itemProps1.xml><?xml version="1.0" encoding="utf-8"?>
@@ -5337,14 +5357,6 @@
 </file>
 
 <file path=customXml/itemProps2.xml><?xml version="1.0" encoding="utf-8"?>
-<ds:datastoreItem xmlns:ds="http://schemas.openxmlformats.org/officeDocument/2006/customXml" ds:itemID="{7B9B38A5-1159-4B50-81DF-B9D922652E9A}">
-  <ds:schemaRefs>
-    <ds:schemaRef ds:uri="http://schemas.microsoft.com/sharepoint/v3/contenttype/forms"/>
-  </ds:schemaRefs>
-</ds:datastoreItem>
-</file>
-
-<file path=customXml/itemProps3.xml><?xml version="1.0" encoding="utf-8"?>
 <ds:datastoreItem xmlns:ds="http://schemas.openxmlformats.org/officeDocument/2006/customXml" ds:itemID="{7BB6B961-E381-4EBA-8E5D-0379E3E6D060}">
   <ds:schemaRefs>
     <ds:schemaRef ds:uri="http://schemas.microsoft.com/office/2006/metadata/properties"/>
@@ -5359,4 +5371,12 @@
     <ds:schemaRef ds:uri="http://purl.org/dc/dcmitype/"/>
   </ds:schemaRefs>
 </ds:datastoreItem>
+</file>
+
+<file path=customXml/itemProps3.xml><?xml version="1.0" encoding="utf-8"?>
+<ds:datastoreItem xmlns:ds="http://schemas.openxmlformats.org/officeDocument/2006/customXml" ds:itemID="{7B9B38A5-1159-4B50-81DF-B9D922652E9A}">
+  <ds:schemaRefs>
+    <ds:schemaRef ds:uri="http://schemas.microsoft.com/sharepoint/v3/contenttype/forms"/>
+  </ds:schemaRefs>
+</ds:datastoreItem>
 </file>